--- a/Dóczi_Zoltán-River-project bemutatása.pptx
+++ b/Dóczi_Zoltán-River-project bemutatása.pptx
@@ -235,7 +235,7 @@
             <a:pPr rtl="0"/>
             <a:fld id="{323F9754-5081-4D17-A8EB-72A163BA5836}" type="datetime1">
               <a:rPr lang="hu-HU" noProof="1" dirty="0" smtClean="0"/>
-              <a:t>2021. 01. 10.</a:t>
+              <a:t>2021. 01. 13.</a:t>
             </a:fld>
             <a:endParaRPr lang="hu-HU" noProof="1"/>
           </a:p>
@@ -417,7 +417,7 @@
             <a:pPr rtl="0"/>
             <a:fld id="{F30BB8C9-9FC7-44D8-B340-3639E73CD288}" type="datetime1">
               <a:rPr lang="hu-HU" noProof="1" smtClean="0"/>
-              <a:t>2021. 01. 10.</a:t>
+              <a:t>2021. 01. 13.</a:t>
             </a:fld>
             <a:endParaRPr lang="hu-HU" noProof="1"/>
           </a:p>
@@ -11526,8 +11526,8 @@
         </p:nvSpPr>
         <p:spPr>
           <a:xfrm>
-            <a:off x="254447" y="916197"/>
-            <a:ext cx="5472000" cy="5085107"/>
+            <a:off x="254447" y="363985"/>
+            <a:ext cx="5472000" cy="5637320"/>
           </a:xfrm>
         </p:spPr>
         <p:txBody>
@@ -11556,6 +11556,9 @@
               <a:rPr lang="hu-HU" noProof="1"/>
               <a:t>Bizonyos file rekordjait a képernyőre írni.</a:t>
             </a:r>
+          </a:p>
+          <a:p>
+            <a:endParaRPr lang="hu-HU" noProof="1"/>
           </a:p>
           <a:p>
             <a:pPr marL="0" indent="0">
@@ -11821,6 +11824,36 @@
           </a:p>
         </p:txBody>
       </p:sp>
+      <p:pic>
+        <p:nvPicPr>
+          <p:cNvPr id="3" name="Kép 2">
+            <a:extLst>
+              <a:ext uri="{FF2B5EF4-FFF2-40B4-BE49-F238E27FC236}">
+                <a16:creationId xmlns:a16="http://schemas.microsoft.com/office/drawing/2014/main" id="{FE6E0595-59E2-450A-A333-F39F6574D3A5}"/>
+              </a:ext>
+            </a:extLst>
+          </p:cNvPr>
+          <p:cNvPicPr>
+            <a:picLocks noChangeAspect="1"/>
+          </p:cNvPicPr>
+          <p:nvPr/>
+        </p:nvPicPr>
+        <p:blipFill>
+          <a:blip r:embed="rId4"/>
+          <a:stretch>
+            <a:fillRect/>
+          </a:stretch>
+        </p:blipFill>
+        <p:spPr>
+          <a:xfrm>
+            <a:off x="5635701" y="147229"/>
+            <a:ext cx="5857433" cy="3968840"/>
+          </a:xfrm>
+          <a:prstGeom prst="rect">
+            <a:avLst/>
+          </a:prstGeom>
+        </p:spPr>
+      </p:pic>
     </p:spTree>
     <p:extLst>
       <p:ext uri="{BB962C8B-B14F-4D97-AF65-F5344CB8AC3E}">
@@ -12019,7 +12052,7 @@
                   </a:outerShdw>
                 </a:effectLst>
               </a:rPr>
-              <a:t>A projektról pár szóbal:</a:t>
+              <a:t>A projektről pár szóban:</a:t>
             </a:r>
           </a:p>
         </p:txBody>
@@ -12969,23 +13002,6 @@
 </file>
 
 <file path=customXml/item1.xml><?xml version="1.0" encoding="utf-8"?>
-<p:properties xmlns:p="http://schemas.microsoft.com/office/2006/metadata/properties" xmlns:xsi="http://www.w3.org/2001/XMLSchema-instance" xmlns:pc="http://schemas.microsoft.com/office/infopath/2007/PartnerControls">
-  <documentManagement>
-    <MediaServiceKeyPoints xmlns="71af3243-3dd4-4a8d-8c0d-dd76da1f02a5" xsi:nil="true"/>
-  </documentManagement>
-</p:properties>
-</file>
-
-<file path=customXml/item2.xml><?xml version="1.0" encoding="utf-8"?>
-<?mso-contentType ?>
-<FormTemplates xmlns="http://schemas.microsoft.com/sharepoint/v3/contenttype/forms">
-  <Display>DocumentLibraryForm</Display>
-  <Edit>DocumentLibraryForm</Edit>
-  <New>DocumentLibraryForm</New>
-</FormTemplates>
-</file>
-
-<file path=customXml/item3.xml><?xml version="1.0" encoding="utf-8"?>
 <ct:contentTypeSchema xmlns:ct="http://schemas.microsoft.com/office/2006/metadata/contentType" xmlns:ma="http://schemas.microsoft.com/office/2006/metadata/properties/metaAttributes" ct:_="" ma:_="" ma:contentTypeName="Document" ma:contentTypeID="0x01010079F111ED35F8CC479449609E8A0923A6" ma:contentTypeVersion="11" ma:contentTypeDescription="Create a new document." ma:contentTypeScope="" ma:versionID="9677210f24a1be23c92c90fd886aa0aa">
   <xsd:schema xmlns:xsd="http://www.w3.org/2001/XMLSchema" xmlns:xs="http://www.w3.org/2001/XMLSchema" xmlns:p="http://schemas.microsoft.com/office/2006/metadata/properties" xmlns:ns2="71af3243-3dd4-4a8d-8c0d-dd76da1f02a5" xmlns:ns3="16c05727-aa75-4e4a-9b5f-8a80a1165891" targetNamespace="http://schemas.microsoft.com/office/2006/metadata/properties" ma:root="true" ma:fieldsID="60e05723c5c1908df1a1a4ebf11d344e" ns2:_="" ns3:_="">
     <xsd:import namespace="71af3243-3dd4-4a8d-8c0d-dd76da1f02a5"/>
@@ -13196,25 +13212,24 @@
 </ct:contentTypeSchema>
 </file>
 
-<file path=customXml/itemProps1.xml><?xml version="1.0" encoding="utf-8"?>
-<ds:datastoreItem xmlns:ds="http://schemas.openxmlformats.org/officeDocument/2006/customXml" ds:itemID="{0535D37E-7F4E-4FAA-AEBF-D3016C5066C4}">
-  <ds:schemaRefs>
-    <ds:schemaRef ds:uri="http://schemas.microsoft.com/office/2006/metadata/properties"/>
-    <ds:schemaRef ds:uri="http://schemas.microsoft.com/office/infopath/2007/PartnerControls"/>
-    <ds:schemaRef ds:uri="71af3243-3dd4-4a8d-8c0d-dd76da1f02a5"/>
-  </ds:schemaRefs>
-</ds:datastoreItem>
+<file path=customXml/item2.xml><?xml version="1.0" encoding="utf-8"?>
+<?mso-contentType ?>
+<FormTemplates xmlns="http://schemas.microsoft.com/sharepoint/v3/contenttype/forms">
+  <Display>DocumentLibraryForm</Display>
+  <Edit>DocumentLibraryForm</Edit>
+  <New>DocumentLibraryForm</New>
+</FormTemplates>
 </file>
 
-<file path=customXml/itemProps2.xml><?xml version="1.0" encoding="utf-8"?>
-<ds:datastoreItem xmlns:ds="http://schemas.openxmlformats.org/officeDocument/2006/customXml" ds:itemID="{294B36EA-CF11-40D0-93CA-F9002F3EA350}">
-  <ds:schemaRefs>
-    <ds:schemaRef ds:uri="http://schemas.microsoft.com/sharepoint/v3/contenttype/forms"/>
-  </ds:schemaRefs>
-</ds:datastoreItem>
+<file path=customXml/item3.xml><?xml version="1.0" encoding="utf-8"?>
+<p:properties xmlns:p="http://schemas.microsoft.com/office/2006/metadata/properties" xmlns:xsi="http://www.w3.org/2001/XMLSchema-instance" xmlns:pc="http://schemas.microsoft.com/office/infopath/2007/PartnerControls">
+  <documentManagement>
+    <MediaServiceKeyPoints xmlns="71af3243-3dd4-4a8d-8c0d-dd76da1f02a5" xsi:nil="true"/>
+  </documentManagement>
+</p:properties>
 </file>
 
-<file path=customXml/itemProps3.xml><?xml version="1.0" encoding="utf-8"?>
+<file path=customXml/itemProps1.xml><?xml version="1.0" encoding="utf-8"?>
 <ds:datastoreItem xmlns:ds="http://schemas.openxmlformats.org/officeDocument/2006/customXml" ds:itemID="{A54D3619-0FAE-444B-BDB2-2354531561E8}">
   <ds:schemaRefs>
     <ds:schemaRef ds:uri="http://schemas.microsoft.com/office/2006/metadata/contentType"/>
@@ -13231,4 +13246,22 @@
     <ds:schemaRef ds:uri="http://schemas.microsoft.com/internal/obd"/>
   </ds:schemaRefs>
 </ds:datastoreItem>
+</file>
+
+<file path=customXml/itemProps2.xml><?xml version="1.0" encoding="utf-8"?>
+<ds:datastoreItem xmlns:ds="http://schemas.openxmlformats.org/officeDocument/2006/customXml" ds:itemID="{294B36EA-CF11-40D0-93CA-F9002F3EA350}">
+  <ds:schemaRefs>
+    <ds:schemaRef ds:uri="http://schemas.microsoft.com/sharepoint/v3/contenttype/forms"/>
+  </ds:schemaRefs>
+</ds:datastoreItem>
+</file>
+
+<file path=customXml/itemProps3.xml><?xml version="1.0" encoding="utf-8"?>
+<ds:datastoreItem xmlns:ds="http://schemas.openxmlformats.org/officeDocument/2006/customXml" ds:itemID="{0535D37E-7F4E-4FAA-AEBF-D3016C5066C4}">
+  <ds:schemaRefs>
+    <ds:schemaRef ds:uri="http://schemas.microsoft.com/office/2006/metadata/properties"/>
+    <ds:schemaRef ds:uri="http://schemas.microsoft.com/office/infopath/2007/PartnerControls"/>
+    <ds:schemaRef ds:uri="71af3243-3dd4-4a8d-8c0d-dd76da1f02a5"/>
+  </ds:schemaRefs>
+</ds:datastoreItem>
 </file>